--- a/ICMR/2017年度/04_対外用資料/初心者ビラ.pptx
+++ b/ICMR/2017年度/04_対外用資料/初心者ビラ.pptx
@@ -6,6 +6,7 @@
   </p:sldMasterIdLst>
   <p:sldIdLst>
     <p:sldId id="256" r:id="rId2"/>
+    <p:sldId id="257" r:id="rId3"/>
   </p:sldIdLst>
   <p:sldSz cx="6858000" cy="9906000" type="A4"/>
   <p:notesSz cx="6858000" cy="9144000"/>
@@ -289,7 +290,7 @@
           <a:p>
             <a:fld id="{3D594FB1-DA20-4E74-8A81-A071C1E50EAF}" type="datetimeFigureOut">
               <a:rPr kumimoji="1" lang="ja-JP" altLang="en-US" smtClean="0"/>
-              <a:t>2018/2/28</a:t>
+              <a:t>2018/3/2</a:t>
             </a:fld>
             <a:endParaRPr kumimoji="1" lang="ja-JP" altLang="en-US" dirty="0"/>
           </a:p>
@@ -491,7 +492,7 @@
           <a:p>
             <a:fld id="{3D594FB1-DA20-4E74-8A81-A071C1E50EAF}" type="datetimeFigureOut">
               <a:rPr kumimoji="1" lang="ja-JP" altLang="en-US" smtClean="0"/>
-              <a:t>2018/2/28</a:t>
+              <a:t>2018/3/2</a:t>
             </a:fld>
             <a:endParaRPr kumimoji="1" lang="ja-JP" altLang="en-US" dirty="0"/>
           </a:p>
@@ -703,7 +704,7 @@
           <a:p>
             <a:fld id="{3D594FB1-DA20-4E74-8A81-A071C1E50EAF}" type="datetimeFigureOut">
               <a:rPr kumimoji="1" lang="ja-JP" altLang="en-US" smtClean="0"/>
-              <a:t>2018/2/28</a:t>
+              <a:t>2018/3/2</a:t>
             </a:fld>
             <a:endParaRPr kumimoji="1" lang="ja-JP" altLang="en-US" dirty="0"/>
           </a:p>
@@ -905,7 +906,7 @@
           <a:p>
             <a:fld id="{3D594FB1-DA20-4E74-8A81-A071C1E50EAF}" type="datetimeFigureOut">
               <a:rPr kumimoji="1" lang="ja-JP" altLang="en-US" smtClean="0"/>
-              <a:t>2018/2/28</a:t>
+              <a:t>2018/3/2</a:t>
             </a:fld>
             <a:endParaRPr kumimoji="1" lang="ja-JP" altLang="en-US" dirty="0"/>
           </a:p>
@@ -1149,7 +1150,7 @@
           <a:p>
             <a:fld id="{3D594FB1-DA20-4E74-8A81-A071C1E50EAF}" type="datetimeFigureOut">
               <a:rPr kumimoji="1" lang="ja-JP" altLang="en-US" smtClean="0"/>
-              <a:t>2018/2/28</a:t>
+              <a:t>2018/3/2</a:t>
             </a:fld>
             <a:endParaRPr kumimoji="1" lang="ja-JP" altLang="en-US" dirty="0"/>
           </a:p>
@@ -1445,7 +1446,7 @@
           <a:p>
             <a:fld id="{3D594FB1-DA20-4E74-8A81-A071C1E50EAF}" type="datetimeFigureOut">
               <a:rPr kumimoji="1" lang="ja-JP" altLang="en-US" smtClean="0"/>
-              <a:t>2018/2/28</a:t>
+              <a:t>2018/3/2</a:t>
             </a:fld>
             <a:endParaRPr kumimoji="1" lang="ja-JP" altLang="en-US" dirty="0"/>
           </a:p>
@@ -1876,7 +1877,7 @@
           <a:p>
             <a:fld id="{3D594FB1-DA20-4E74-8A81-A071C1E50EAF}" type="datetimeFigureOut">
               <a:rPr kumimoji="1" lang="ja-JP" altLang="en-US" smtClean="0"/>
-              <a:t>2018/2/28</a:t>
+              <a:t>2018/3/2</a:t>
             </a:fld>
             <a:endParaRPr kumimoji="1" lang="ja-JP" altLang="en-US" dirty="0"/>
           </a:p>
@@ -1994,7 +1995,7 @@
           <a:p>
             <a:fld id="{3D594FB1-DA20-4E74-8A81-A071C1E50EAF}" type="datetimeFigureOut">
               <a:rPr kumimoji="1" lang="ja-JP" altLang="en-US" smtClean="0"/>
-              <a:t>2018/2/28</a:t>
+              <a:t>2018/3/2</a:t>
             </a:fld>
             <a:endParaRPr kumimoji="1" lang="ja-JP" altLang="en-US" dirty="0"/>
           </a:p>
@@ -2089,7 +2090,7 @@
           <a:p>
             <a:fld id="{3D594FB1-DA20-4E74-8A81-A071C1E50EAF}" type="datetimeFigureOut">
               <a:rPr kumimoji="1" lang="ja-JP" altLang="en-US" smtClean="0"/>
-              <a:t>2018/2/28</a:t>
+              <a:t>2018/3/2</a:t>
             </a:fld>
             <a:endParaRPr kumimoji="1" lang="ja-JP" altLang="en-US" dirty="0"/>
           </a:p>
@@ -2398,7 +2399,7 @@
           <a:p>
             <a:fld id="{3D594FB1-DA20-4E74-8A81-A071C1E50EAF}" type="datetimeFigureOut">
               <a:rPr kumimoji="1" lang="ja-JP" altLang="en-US" smtClean="0"/>
-              <a:t>2018/2/28</a:t>
+              <a:t>2018/3/2</a:t>
             </a:fld>
             <a:endParaRPr kumimoji="1" lang="ja-JP" altLang="en-US" dirty="0"/>
           </a:p>
@@ -2655,7 +2656,7 @@
           <a:p>
             <a:fld id="{3D594FB1-DA20-4E74-8A81-A071C1E50EAF}" type="datetimeFigureOut">
               <a:rPr kumimoji="1" lang="ja-JP" altLang="en-US" smtClean="0"/>
-              <a:t>2018/2/28</a:t>
+              <a:t>2018/3/2</a:t>
             </a:fld>
             <a:endParaRPr kumimoji="1" lang="ja-JP" altLang="en-US" dirty="0"/>
           </a:p>
@@ -2900,7 +2901,7 @@
           <a:p>
             <a:fld id="{3D594FB1-DA20-4E74-8A81-A071C1E50EAF}" type="datetimeFigureOut">
               <a:rPr kumimoji="1" lang="ja-JP" altLang="en-US" smtClean="0"/>
-              <a:t>2018/2/28</a:t>
+              <a:t>2018/3/2</a:t>
             </a:fld>
             <a:endParaRPr kumimoji="1" lang="ja-JP" altLang="en-US" dirty="0"/>
           </a:p>
@@ -3335,8 +3336,8 @@
         </p:nvSpPr>
         <p:spPr>
           <a:xfrm>
-            <a:off x="216807" y="7287716"/>
-            <a:ext cx="6424386" cy="2426856"/>
+            <a:off x="216807" y="8088620"/>
+            <a:ext cx="6424386" cy="1625951"/>
           </a:xfrm>
           <a:prstGeom prst="rect">
             <a:avLst/>
@@ -3576,8 +3577,8 @@
         </p:nvSpPr>
         <p:spPr>
           <a:xfrm>
-            <a:off x="163285" y="7287716"/>
-            <a:ext cx="6531429" cy="2419712"/>
+            <a:off x="163285" y="8246562"/>
+            <a:ext cx="6531429" cy="1460866"/>
           </a:xfrm>
         </p:spPr>
         <p:txBody>
@@ -3715,60 +3716,6 @@
               <a:latin typeface="Arial" panose="020B0604020202020204" pitchFamily="34" charset="0"/>
               <a:ea typeface="ＭＳ Ｐゴシック" panose="020B0600070205080204" pitchFamily="50" charset="-128"/>
             </a:endParaRPr>
-          </a:p>
-          <a:p>
-            <a:pPr algn="l">
-              <a:lnSpc>
-                <a:spcPct val="150000"/>
-              </a:lnSpc>
-            </a:pPr>
-            <a:r>
-              <a:rPr lang="ja-JP" altLang="en-US" sz="1400" dirty="0">
-                <a:latin typeface="Arial" panose="020B0604020202020204" pitchFamily="34" charset="0"/>
-              </a:rPr>
-              <a:t>・当日の飛び入り参加も歓迎致しますが、地図の枚数には限りがございます。参加を予定される場合は</a:t>
-            </a:r>
-            <a:r>
-              <a:rPr lang="ja-JP" altLang="en-US" sz="1400" dirty="0">
-                <a:latin typeface="Arial" panose="020B0604020202020204" pitchFamily="34" charset="0"/>
-                <a:ea typeface="ＭＳ Ｐゴシック" panose="020B0600070205080204" pitchFamily="50" charset="-128"/>
-              </a:rPr>
-              <a:t>事前申し込みをお勧めします。詳しくは、大会公式</a:t>
-            </a:r>
-            <a:r>
-              <a:rPr lang="en-US" altLang="ja-JP" sz="1400" dirty="0">
-                <a:latin typeface="Arial" panose="020B0604020202020204" pitchFamily="34" charset="0"/>
-                <a:ea typeface="ＭＳ Ｐゴシック" panose="020B0600070205080204" pitchFamily="50" charset="-128"/>
-              </a:rPr>
-              <a:t>HP</a:t>
-            </a:r>
-            <a:r>
-              <a:rPr lang="ja-JP" altLang="en-US" sz="1400" dirty="0">
-                <a:latin typeface="Arial" panose="020B0604020202020204" pitchFamily="34" charset="0"/>
-                <a:ea typeface="ＭＳ Ｐゴシック" panose="020B0600070205080204" pitchFamily="50" charset="-128"/>
-              </a:rPr>
-              <a:t>の併設大会要項をご覧ください。</a:t>
-            </a:r>
-            <a:r>
-              <a:rPr lang="en-US" altLang="ja-JP" sz="1400" dirty="0">
-                <a:latin typeface="Arial" panose="020B0604020202020204" pitchFamily="34" charset="0"/>
-                <a:ea typeface="ＭＳ Ｐゴシック" panose="020B0600070205080204" pitchFamily="50" charset="-128"/>
-              </a:rPr>
-              <a:t>(URL : </a:t>
-            </a:r>
-            <a:r>
-              <a:rPr lang="en-US" altLang="ja-JP" sz="1400" dirty="0">
-                <a:latin typeface="Arial" panose="020B0604020202020204" pitchFamily="34" charset="0"/>
-              </a:rPr>
-              <a:t>http://www.orienteering.com/~icmr2017/bulletin.html </a:t>
-            </a:r>
-            <a:r>
-              <a:rPr lang="en-US" altLang="ja-JP" sz="1400" dirty="0">
-                <a:latin typeface="Arial" panose="020B0604020202020204" pitchFamily="34" charset="0"/>
-                <a:ea typeface="ＭＳ Ｐゴシック" panose="020B0600070205080204" pitchFamily="50" charset="-128"/>
-              </a:rPr>
-              <a:t>)</a:t>
-            </a:r>
           </a:p>
         </p:txBody>
       </p:sp>
@@ -3881,7 +3828,7 @@
         </p:nvSpPr>
         <p:spPr>
           <a:xfrm>
-            <a:off x="341761" y="4965452"/>
+            <a:off x="341761" y="5290868"/>
             <a:ext cx="3087239" cy="2279740"/>
           </a:xfrm>
           <a:prstGeom prst="rect">
@@ -3934,7 +3881,7 @@
         </p:nvSpPr>
         <p:spPr>
           <a:xfrm>
-            <a:off x="3428999" y="4986676"/>
+            <a:off x="3428999" y="5312092"/>
             <a:ext cx="3219800" cy="2215991"/>
           </a:xfrm>
           <a:prstGeom prst="rect">
@@ -4774,6 +4721,1727 @@
         </p:nvSpPr>
         <p:spPr>
           <a:xfrm>
+            <a:off x="2752725" y="6521090"/>
+            <a:ext cx="676275" cy="1036824"/>
+          </a:xfrm>
+          <a:prstGeom prst="rect">
+            <a:avLst/>
+          </a:prstGeom>
+          <a:solidFill>
+            <a:schemeClr val="bg1"/>
+          </a:solidFill>
+          <a:ln>
+            <a:noFill/>
+          </a:ln>
+        </p:spPr>
+        <p:style>
+          <a:lnRef idx="2">
+            <a:schemeClr val="accent1">
+              <a:shade val="50000"/>
+            </a:schemeClr>
+          </a:lnRef>
+          <a:fillRef idx="1">
+            <a:schemeClr val="accent1"/>
+          </a:fillRef>
+          <a:effectRef idx="0">
+            <a:schemeClr val="accent1"/>
+          </a:effectRef>
+          <a:fontRef idx="minor">
+            <a:schemeClr val="lt1"/>
+          </a:fontRef>
+        </p:style>
+        <p:txBody>
+          <a:bodyPr rtlCol="0" anchor="ctr"/>
+          <a:lstStyle/>
+          <a:p>
+            <a:pPr algn="ctr"/>
+            <a:endParaRPr kumimoji="1" lang="ja-JP" altLang="en-US"/>
+          </a:p>
+        </p:txBody>
+      </p:sp>
+      <p:pic>
+        <p:nvPicPr>
+          <p:cNvPr id="23" name="図 22"/>
+          <p:cNvPicPr>
+            <a:picLocks noChangeAspect="1"/>
+          </p:cNvPicPr>
+          <p:nvPr/>
+        </p:nvPicPr>
+        <p:blipFill rotWithShape="1">
+          <a:blip r:embed="rId3" cstate="print">
+            <a:extLst>
+              <a:ext uri="{28A0092B-C50C-407E-A947-70E740481C1C}">
+                <a14:useLocalDpi xmlns:a14="http://schemas.microsoft.com/office/drawing/2010/main" val="0"/>
+              </a:ext>
+            </a:extLst>
+          </a:blip>
+          <a:srcRect b="16790"/>
+          <a:stretch/>
+        </p:blipFill>
+        <p:spPr>
+          <a:xfrm>
+            <a:off x="2839746" y="6553164"/>
+            <a:ext cx="502231" cy="811227"/>
+          </a:xfrm>
+          <a:prstGeom prst="rect">
+            <a:avLst/>
+          </a:prstGeom>
+        </p:spPr>
+      </p:pic>
+      <p:pic>
+        <p:nvPicPr>
+          <p:cNvPr id="5" name="図 4"/>
+          <p:cNvPicPr>
+            <a:picLocks noChangeAspect="1"/>
+          </p:cNvPicPr>
+          <p:nvPr/>
+        </p:nvPicPr>
+        <p:blipFill>
+          <a:blip r:embed="rId4" cstate="print">
+            <a:extLst>
+              <a:ext uri="{28A0092B-C50C-407E-A947-70E740481C1C}">
+                <a14:useLocalDpi xmlns:a14="http://schemas.microsoft.com/office/drawing/2010/main" val="0"/>
+              </a:ext>
+            </a:extLst>
+          </a:blip>
+          <a:stretch>
+            <a:fillRect/>
+          </a:stretch>
+        </p:blipFill>
+        <p:spPr>
+          <a:xfrm>
+            <a:off x="6158136" y="483970"/>
+            <a:ext cx="330864" cy="330864"/>
+          </a:xfrm>
+          <a:prstGeom prst="rect">
+            <a:avLst/>
+          </a:prstGeom>
+        </p:spPr>
+      </p:pic>
+      <p:sp>
+        <p:nvSpPr>
+          <p:cNvPr id="7" name="テキスト ボックス 6"/>
+          <p:cNvSpPr txBox="1"/>
+          <p:nvPr/>
+        </p:nvSpPr>
+        <p:spPr>
+          <a:xfrm>
+            <a:off x="2752725" y="7316692"/>
+            <a:ext cx="676276" cy="253916"/>
+          </a:xfrm>
+          <a:prstGeom prst="rect">
+            <a:avLst/>
+          </a:prstGeom>
+          <a:noFill/>
+        </p:spPr>
+        <p:txBody>
+          <a:bodyPr wrap="square" rtlCol="0">
+            <a:spAutoFit/>
+          </a:bodyPr>
+          <a:lstStyle/>
+          <a:p>
+            <a:pPr algn="ctr"/>
+            <a:r>
+              <a:rPr kumimoji="1" lang="ja-JP" altLang="en-US" sz="1050" dirty="0"/>
+              <a:t>フラッグ</a:t>
+            </a:r>
+          </a:p>
+        </p:txBody>
+      </p:sp>
+      <p:sp>
+        <p:nvSpPr>
+          <p:cNvPr id="22" name="正方形/長方形 21"/>
+          <p:cNvSpPr/>
+          <p:nvPr/>
+        </p:nvSpPr>
+        <p:spPr>
+          <a:xfrm>
+            <a:off x="2136710" y="6677726"/>
+            <a:ext cx="528993" cy="415498"/>
+          </a:xfrm>
+          <a:prstGeom prst="rect">
+            <a:avLst/>
+          </a:prstGeom>
+          <a:solidFill>
+            <a:schemeClr val="bg1"/>
+          </a:solidFill>
+          <a:ln>
+            <a:noFill/>
+          </a:ln>
+        </p:spPr>
+        <p:style>
+          <a:lnRef idx="2">
+            <a:schemeClr val="accent1">
+              <a:shade val="50000"/>
+            </a:schemeClr>
+          </a:lnRef>
+          <a:fillRef idx="1">
+            <a:schemeClr val="accent1"/>
+          </a:fillRef>
+          <a:effectRef idx="0">
+            <a:schemeClr val="accent1"/>
+          </a:effectRef>
+          <a:fontRef idx="minor">
+            <a:schemeClr val="lt1"/>
+          </a:fontRef>
+        </p:style>
+        <p:txBody>
+          <a:bodyPr rtlCol="0" anchor="ctr"/>
+          <a:lstStyle/>
+          <a:p>
+            <a:pPr algn="ctr"/>
+            <a:endParaRPr kumimoji="1" lang="ja-JP" altLang="en-US"/>
+          </a:p>
+        </p:txBody>
+      </p:sp>
+      <p:sp>
+        <p:nvSpPr>
+          <p:cNvPr id="19" name="テキスト ボックス 18"/>
+          <p:cNvSpPr txBox="1"/>
+          <p:nvPr/>
+        </p:nvSpPr>
+        <p:spPr>
+          <a:xfrm>
+            <a:off x="2076448" y="6677726"/>
+            <a:ext cx="676276" cy="415498"/>
+          </a:xfrm>
+          <a:prstGeom prst="rect">
+            <a:avLst/>
+          </a:prstGeom>
+          <a:noFill/>
+        </p:spPr>
+        <p:txBody>
+          <a:bodyPr wrap="square" rtlCol="0">
+            <a:spAutoFit/>
+          </a:bodyPr>
+          <a:lstStyle/>
+          <a:p>
+            <a:pPr algn="ctr"/>
+            <a:r>
+              <a:rPr kumimoji="1" lang="ja-JP" altLang="en-US" sz="1050" dirty="0"/>
+              <a:t>スタート</a:t>
+            </a:r>
+            <a:endParaRPr kumimoji="1" lang="en-US" altLang="ja-JP" sz="1050" dirty="0"/>
+          </a:p>
+          <a:p>
+            <a:pPr algn="ctr"/>
+            <a:r>
+              <a:rPr lang="ja-JP" altLang="en-US" sz="1050" dirty="0"/>
+              <a:t>地点</a:t>
+            </a:r>
+            <a:endParaRPr kumimoji="1" lang="ja-JP" altLang="en-US" sz="1050" dirty="0"/>
+          </a:p>
+        </p:txBody>
+      </p:sp>
+      <p:sp>
+        <p:nvSpPr>
+          <p:cNvPr id="25" name="テキスト ボックス 24"/>
+          <p:cNvSpPr txBox="1"/>
+          <p:nvPr/>
+        </p:nvSpPr>
+        <p:spPr>
+          <a:xfrm>
+            <a:off x="1547241" y="6176822"/>
+            <a:ext cx="676276" cy="369332"/>
+          </a:xfrm>
+          <a:prstGeom prst="rect">
+            <a:avLst/>
+          </a:prstGeom>
+          <a:solidFill>
+            <a:schemeClr val="bg1"/>
+          </a:solidFill>
+        </p:spPr>
+        <p:txBody>
+          <a:bodyPr wrap="square" rtlCol="0">
+            <a:spAutoFit/>
+          </a:bodyPr>
+          <a:lstStyle/>
+          <a:p>
+            <a:pPr algn="ctr"/>
+            <a:r>
+              <a:rPr kumimoji="1" lang="ja-JP" altLang="en-US" dirty="0"/>
+              <a:t>地図</a:t>
+            </a:r>
+          </a:p>
+        </p:txBody>
+      </p:sp>
+    </p:spTree>
+    <p:extLst>
+      <p:ext uri="{BB962C8B-B14F-4D97-AF65-F5344CB8AC3E}">
+        <p14:creationId xmlns:p14="http://schemas.microsoft.com/office/powerpoint/2010/main" val="163050989"/>
+      </p:ext>
+    </p:extLst>
+  </p:cSld>
+  <p:clrMapOvr>
+    <a:masterClrMapping/>
+  </p:clrMapOvr>
+</p:sld>
+</file>
+
+<file path=ppt/slides/slide2.xml><?xml version="1.0" encoding="utf-8"?>
+<p:sld xmlns:a="http://schemas.openxmlformats.org/drawingml/2006/main" xmlns:r="http://schemas.openxmlformats.org/officeDocument/2006/relationships" xmlns:p="http://schemas.openxmlformats.org/presentationml/2006/main">
+  <p:cSld>
+    <p:spTree>
+      <p:nvGrpSpPr>
+        <p:cNvPr id="1" name=""/>
+        <p:cNvGrpSpPr/>
+        <p:nvPr/>
+      </p:nvGrpSpPr>
+      <p:grpSpPr>
+        <a:xfrm>
+          <a:off x="0" y="0"/>
+          <a:ext cx="0" cy="0"/>
+          <a:chOff x="0" y="0"/>
+          <a:chExt cx="0" cy="0"/>
+        </a:xfrm>
+      </p:grpSpPr>
+      <p:sp>
+        <p:nvSpPr>
+          <p:cNvPr id="34" name="正方形/長方形 33"/>
+          <p:cNvSpPr/>
+          <p:nvPr/>
+        </p:nvSpPr>
+        <p:spPr>
+          <a:xfrm>
+            <a:off x="216807" y="7287716"/>
+            <a:ext cx="6424386" cy="2426856"/>
+          </a:xfrm>
+          <a:prstGeom prst="rect">
+            <a:avLst/>
+          </a:prstGeom>
+          <a:solidFill>
+            <a:schemeClr val="bg1"/>
+          </a:solidFill>
+          <a:ln w="38100">
+            <a:solidFill>
+              <a:srgbClr val="40AE5D"/>
+            </a:solidFill>
+          </a:ln>
+        </p:spPr>
+        <p:style>
+          <a:lnRef idx="2">
+            <a:schemeClr val="accent1">
+              <a:shade val="50000"/>
+            </a:schemeClr>
+          </a:lnRef>
+          <a:fillRef idx="1">
+            <a:schemeClr val="accent1"/>
+          </a:fillRef>
+          <a:effectRef idx="0">
+            <a:schemeClr val="accent1"/>
+          </a:effectRef>
+          <a:fontRef idx="minor">
+            <a:schemeClr val="lt1"/>
+          </a:fontRef>
+        </p:style>
+        <p:txBody>
+          <a:bodyPr rtlCol="0" anchor="ctr"/>
+          <a:lstStyle/>
+          <a:p>
+            <a:pPr algn="ctr"/>
+            <a:endParaRPr kumimoji="1" lang="ja-JP" altLang="en-US"/>
+          </a:p>
+        </p:txBody>
+      </p:sp>
+      <p:sp>
+        <p:nvSpPr>
+          <p:cNvPr id="12" name="角丸四角形 11"/>
+          <p:cNvSpPr/>
+          <p:nvPr/>
+        </p:nvSpPr>
+        <p:spPr>
+          <a:xfrm>
+            <a:off x="407764" y="971470"/>
+            <a:ext cx="6042472" cy="1245350"/>
+          </a:xfrm>
+          <a:prstGeom prst="roundRect">
+            <a:avLst/>
+          </a:prstGeom>
+          <a:solidFill>
+            <a:schemeClr val="bg1"/>
+          </a:solidFill>
+          <a:ln w="38100">
+            <a:solidFill>
+              <a:srgbClr val="40AE5D"/>
+            </a:solidFill>
+          </a:ln>
+          <a:effectLst>
+            <a:outerShdw blurRad="50800" dist="38100" dir="2700000" algn="tl" rotWithShape="0">
+              <a:prstClr val="black">
+                <a:alpha val="40000"/>
+              </a:prstClr>
+            </a:outerShdw>
+          </a:effectLst>
+        </p:spPr>
+        <p:style>
+          <a:lnRef idx="2">
+            <a:schemeClr val="accent1">
+              <a:shade val="50000"/>
+            </a:schemeClr>
+          </a:lnRef>
+          <a:fillRef idx="1">
+            <a:schemeClr val="accent1"/>
+          </a:fillRef>
+          <a:effectRef idx="0">
+            <a:schemeClr val="accent1"/>
+          </a:effectRef>
+          <a:fontRef idx="minor">
+            <a:schemeClr val="lt1"/>
+          </a:fontRef>
+        </p:style>
+        <p:txBody>
+          <a:bodyPr rtlCol="0" anchor="ctr"/>
+          <a:lstStyle/>
+          <a:p>
+            <a:pPr algn="ctr"/>
+            <a:endParaRPr kumimoji="1" lang="ja-JP" altLang="en-US" dirty="0"/>
+          </a:p>
+        </p:txBody>
+      </p:sp>
+      <p:sp>
+        <p:nvSpPr>
+          <p:cNvPr id="2" name="タイトル 1"/>
+          <p:cNvSpPr>
+            <a:spLocks noGrp="1"/>
+          </p:cNvSpPr>
+          <p:nvPr>
+            <p:ph type="ctrTitle"/>
+          </p:nvPr>
+        </p:nvSpPr>
+        <p:spPr>
+          <a:xfrm>
+            <a:off x="369000" y="1185466"/>
+            <a:ext cx="6120000" cy="874718"/>
+          </a:xfrm>
+        </p:spPr>
+        <p:txBody>
+          <a:bodyPr>
+            <a:noAutofit/>
+          </a:bodyPr>
+          <a:lstStyle/>
+          <a:p>
+            <a:pPr algn="just"/>
+            <a:r>
+              <a:rPr kumimoji="1" lang="ja-JP" altLang="en-US" sz="3200" dirty="0">
+                <a:effectLst>
+                  <a:outerShdw blurRad="38100" dist="38100" dir="2700000" algn="tl">
+                    <a:srgbClr val="000000">
+                      <a:alpha val="43137"/>
+                    </a:srgbClr>
+                  </a:outerShdw>
+                </a:effectLst>
+                <a:latin typeface="HGS創英角ﾎﾟｯﾌﾟ体" panose="040B0A00000000000000" pitchFamily="50" charset="-128"/>
+                <a:ea typeface="HGS創英角ﾎﾟｯﾌﾟ体" panose="040B0A00000000000000" pitchFamily="50" charset="-128"/>
+              </a:rPr>
+              <a:t>オリエンテーリング</a:t>
+            </a:r>
+            <a:r>
+              <a:rPr lang="ja-JP" altLang="en-US" sz="3200" dirty="0">
+                <a:effectLst>
+                  <a:outerShdw blurRad="38100" dist="38100" dir="2700000" algn="tl">
+                    <a:srgbClr val="000000">
+                      <a:alpha val="43137"/>
+                    </a:srgbClr>
+                  </a:outerShdw>
+                </a:effectLst>
+                <a:latin typeface="HGS創英角ﾎﾟｯﾌﾟ体" panose="040B0A00000000000000" pitchFamily="50" charset="-128"/>
+                <a:ea typeface="HGS創英角ﾎﾟｯﾌﾟ体" panose="040B0A00000000000000" pitchFamily="50" charset="-128"/>
+              </a:rPr>
+              <a:t>体験会</a:t>
+            </a:r>
+            <a:br>
+              <a:rPr lang="en-US" altLang="ja-JP" sz="3200" dirty="0">
+                <a:effectLst>
+                  <a:outerShdw blurRad="38100" dist="38100" dir="2700000" algn="tl">
+                    <a:srgbClr val="000000">
+                      <a:alpha val="43137"/>
+                    </a:srgbClr>
+                  </a:outerShdw>
+                </a:effectLst>
+                <a:latin typeface="HGS創英角ﾎﾟｯﾌﾟ体" panose="040B0A00000000000000" pitchFamily="50" charset="-128"/>
+                <a:ea typeface="HGS創英角ﾎﾟｯﾌﾟ体" panose="040B0A00000000000000" pitchFamily="50" charset="-128"/>
+              </a:rPr>
+            </a:br>
+            <a:r>
+              <a:rPr lang="en-US" altLang="ja-JP" sz="3200" dirty="0">
+                <a:effectLst>
+                  <a:outerShdw blurRad="38100" dist="38100" dir="2700000" algn="tl">
+                    <a:srgbClr val="000000">
+                      <a:alpha val="43137"/>
+                    </a:srgbClr>
+                  </a:outerShdw>
+                </a:effectLst>
+                <a:latin typeface="HGS創英角ﾎﾟｯﾌﾟ体" panose="040B0A00000000000000" pitchFamily="50" charset="-128"/>
+                <a:ea typeface="HGS創英角ﾎﾟｯﾌﾟ体" panose="040B0A00000000000000" pitchFamily="50" charset="-128"/>
+              </a:rPr>
+              <a:t>(N/G</a:t>
+            </a:r>
+            <a:r>
+              <a:rPr lang="ja-JP" altLang="en-US" sz="3200" dirty="0">
+                <a:effectLst>
+                  <a:outerShdw blurRad="38100" dist="38100" dir="2700000" algn="tl">
+                    <a:srgbClr val="000000">
+                      <a:alpha val="43137"/>
+                    </a:srgbClr>
+                  </a:outerShdw>
+                </a:effectLst>
+                <a:latin typeface="HGS創英角ﾎﾟｯﾌﾟ体" panose="040B0A00000000000000" pitchFamily="50" charset="-128"/>
+                <a:ea typeface="HGS創英角ﾎﾟｯﾌﾟ体" panose="040B0A00000000000000" pitchFamily="50" charset="-128"/>
+              </a:rPr>
+              <a:t>クラス</a:t>
+            </a:r>
+            <a:r>
+              <a:rPr lang="en-US" altLang="ja-JP" sz="3200" dirty="0">
+                <a:effectLst>
+                  <a:outerShdw blurRad="38100" dist="38100" dir="2700000" algn="tl">
+                    <a:srgbClr val="000000">
+                      <a:alpha val="43137"/>
+                    </a:srgbClr>
+                  </a:outerShdw>
+                </a:effectLst>
+                <a:latin typeface="HGS創英角ﾎﾟｯﾌﾟ体" panose="040B0A00000000000000" pitchFamily="50" charset="-128"/>
+                <a:ea typeface="HGS創英角ﾎﾟｯﾌﾟ体" panose="040B0A00000000000000" pitchFamily="50" charset="-128"/>
+              </a:rPr>
+              <a:t>)</a:t>
+            </a:r>
+            <a:r>
+              <a:rPr lang="ja-JP" altLang="en-US" sz="3200" dirty="0">
+                <a:effectLst>
+                  <a:outerShdw blurRad="38100" dist="38100" dir="2700000" algn="tl">
+                    <a:srgbClr val="000000">
+                      <a:alpha val="43137"/>
+                    </a:srgbClr>
+                  </a:outerShdw>
+                </a:effectLst>
+                <a:latin typeface="HGS創英角ﾎﾟｯﾌﾟ体" panose="040B0A00000000000000" pitchFamily="50" charset="-128"/>
+                <a:ea typeface="HGS創英角ﾎﾟｯﾌﾟ体" panose="040B0A00000000000000" pitchFamily="50" charset="-128"/>
+              </a:rPr>
+              <a:t>開催のお知らせ</a:t>
+            </a:r>
+            <a:endParaRPr kumimoji="1" lang="ja-JP" altLang="en-US" sz="3200" dirty="0">
+              <a:effectLst>
+                <a:outerShdw blurRad="38100" dist="38100" dir="2700000" algn="tl">
+                  <a:srgbClr val="000000">
+                    <a:alpha val="43137"/>
+                  </a:srgbClr>
+                </a:outerShdw>
+              </a:effectLst>
+              <a:latin typeface="HGS創英角ﾎﾟｯﾌﾟ体" panose="040B0A00000000000000" pitchFamily="50" charset="-128"/>
+              <a:ea typeface="HGS創英角ﾎﾟｯﾌﾟ体" panose="040B0A00000000000000" pitchFamily="50" charset="-128"/>
+            </a:endParaRPr>
+          </a:p>
+        </p:txBody>
+      </p:sp>
+      <p:sp>
+        <p:nvSpPr>
+          <p:cNvPr id="3" name="サブタイトル 2"/>
+          <p:cNvSpPr>
+            <a:spLocks noGrp="1"/>
+          </p:cNvSpPr>
+          <p:nvPr>
+            <p:ph type="subTitle" idx="1"/>
+          </p:nvPr>
+        </p:nvSpPr>
+        <p:spPr>
+          <a:xfrm>
+            <a:off x="163285" y="7287716"/>
+            <a:ext cx="6531429" cy="2419712"/>
+          </a:xfrm>
+        </p:spPr>
+        <p:txBody>
+          <a:bodyPr>
+            <a:normAutofit/>
+          </a:bodyPr>
+          <a:lstStyle/>
+          <a:p>
+            <a:pPr lvl="0" algn="l">
+              <a:lnSpc>
+                <a:spcPct val="150000"/>
+              </a:lnSpc>
+              <a:tabLst>
+                <a:tab pos="3594100" algn="l"/>
+              </a:tabLst>
+            </a:pPr>
+            <a:r>
+              <a:rPr lang="ja-JP" altLang="en-US" sz="1400" dirty="0">
+                <a:latin typeface="Arial" panose="020B0604020202020204" pitchFamily="34" charset="0"/>
+                <a:ea typeface="ＭＳ Ｐゴシック" panose="020B0600070205080204" pitchFamily="50" charset="-128"/>
+              </a:rPr>
+              <a:t>・参加される際は、</a:t>
+            </a:r>
+            <a:r>
+              <a:rPr lang="ja-JP" altLang="en-US" sz="1400" dirty="0">
+                <a:latin typeface="Arial" panose="020B0604020202020204" pitchFamily="34" charset="0"/>
+              </a:rPr>
+              <a:t>運動出来る格好で、会場内の「</a:t>
+            </a:r>
+            <a:r>
+              <a:rPr lang="en-US" altLang="ja-JP" sz="1400" dirty="0">
+                <a:latin typeface="Arial" panose="020B0604020202020204" pitchFamily="34" charset="0"/>
+              </a:rPr>
+              <a:t>N/G</a:t>
+            </a:r>
+            <a:r>
+              <a:rPr lang="ja-JP" altLang="en-US" sz="1400" dirty="0">
+                <a:latin typeface="Arial" panose="020B0604020202020204" pitchFamily="34" charset="0"/>
+              </a:rPr>
+              <a:t>クラス受付」までお越しください。</a:t>
+            </a:r>
+            <a:endParaRPr lang="en-US" altLang="ja-JP" sz="1400" dirty="0">
+              <a:latin typeface="Arial" panose="020B0604020202020204" pitchFamily="34" charset="0"/>
+            </a:endParaRPr>
+          </a:p>
+          <a:p>
+            <a:pPr lvl="0" algn="l">
+              <a:lnSpc>
+                <a:spcPct val="150000"/>
+              </a:lnSpc>
+            </a:pPr>
+            <a:r>
+              <a:rPr lang="ja-JP" altLang="en-US" sz="1400" dirty="0">
+                <a:latin typeface="Arial" panose="020B0604020202020204" pitchFamily="34" charset="0"/>
+              </a:rPr>
+              <a:t>・コンパスは貸し出し致します。</a:t>
+            </a:r>
+            <a:r>
+              <a:rPr lang="en-US" altLang="ja-JP" sz="1050" dirty="0">
+                <a:latin typeface="Arial" panose="020B0604020202020204" pitchFamily="34" charset="0"/>
+              </a:rPr>
+              <a:t>(</a:t>
+            </a:r>
+            <a:r>
+              <a:rPr lang="ja-JP" altLang="en-US" sz="1050" dirty="0">
+                <a:latin typeface="Arial" panose="020B0604020202020204" pitchFamily="34" charset="0"/>
+              </a:rPr>
+              <a:t>ただし、破損された場合は</a:t>
+            </a:r>
+            <a:r>
+              <a:rPr lang="en-US" altLang="ja-JP" sz="1050" dirty="0">
+                <a:latin typeface="Arial" panose="020B0604020202020204" pitchFamily="34" charset="0"/>
+              </a:rPr>
+              <a:t>2000</a:t>
+            </a:r>
+            <a:r>
+              <a:rPr lang="ja-JP" altLang="en-US" sz="1050" dirty="0">
+                <a:latin typeface="Arial" panose="020B0604020202020204" pitchFamily="34" charset="0"/>
+              </a:rPr>
+              <a:t>円程度弁償して頂きます。</a:t>
+            </a:r>
+            <a:r>
+              <a:rPr lang="en-US" altLang="ja-JP" sz="1050" dirty="0">
+                <a:latin typeface="Arial" panose="020B0604020202020204" pitchFamily="34" charset="0"/>
+              </a:rPr>
+              <a:t>)</a:t>
+            </a:r>
+            <a:endParaRPr lang="en-US" altLang="ja-JP" sz="1400" dirty="0">
+              <a:latin typeface="Arial" panose="020B0604020202020204" pitchFamily="34" charset="0"/>
+              <a:ea typeface="ＭＳ Ｐゴシック" panose="020B0600070205080204" pitchFamily="50" charset="-128"/>
+            </a:endParaRPr>
+          </a:p>
+          <a:p>
+            <a:pPr lvl="0" algn="l">
+              <a:lnSpc>
+                <a:spcPct val="150000"/>
+              </a:lnSpc>
+            </a:pPr>
+            <a:r>
+              <a:rPr lang="ja-JP" altLang="en-US" sz="1400" dirty="0">
+                <a:latin typeface="Arial" panose="020B0604020202020204" pitchFamily="34" charset="0"/>
+                <a:ea typeface="ＭＳ Ｐゴシック" panose="020B0600070205080204" pitchFamily="50" charset="-128"/>
+              </a:rPr>
+              <a:t>・コースの距離は、</a:t>
+            </a:r>
+            <a:r>
+              <a:rPr lang="en-US" altLang="ja-JP" sz="1400" dirty="0">
+                <a:latin typeface="Arial" panose="020B0604020202020204" pitchFamily="34" charset="0"/>
+                <a:ea typeface="ＭＳ Ｐゴシック" panose="020B0600070205080204" pitchFamily="50" charset="-128"/>
+              </a:rPr>
+              <a:t>1.0</a:t>
+            </a:r>
+            <a:r>
+              <a:rPr lang="ja-JP" altLang="en-US" sz="400" dirty="0">
+                <a:latin typeface="Arial" panose="020B0604020202020204" pitchFamily="34" charset="0"/>
+                <a:ea typeface="ＭＳ Ｐゴシック" panose="020B0600070205080204" pitchFamily="50" charset="-128"/>
+              </a:rPr>
+              <a:t>　</a:t>
+            </a:r>
+            <a:r>
+              <a:rPr lang="en-US" altLang="ja-JP" sz="1400" dirty="0">
+                <a:latin typeface="Arial" panose="020B0604020202020204" pitchFamily="34" charset="0"/>
+                <a:ea typeface="ＭＳ Ｐゴシック" panose="020B0600070205080204" pitchFamily="50" charset="-128"/>
+              </a:rPr>
+              <a:t>km</a:t>
+            </a:r>
+            <a:r>
+              <a:rPr lang="ja-JP" altLang="en-US" sz="1400" dirty="0">
+                <a:latin typeface="Arial" panose="020B0604020202020204" pitchFamily="34" charset="0"/>
+                <a:ea typeface="ＭＳ Ｐゴシック" panose="020B0600070205080204" pitchFamily="50" charset="-128"/>
+              </a:rPr>
+              <a:t>程度の予定です。</a:t>
+            </a:r>
+            <a:endParaRPr lang="en-US" altLang="ja-JP" sz="1400" dirty="0">
+              <a:latin typeface="Arial" panose="020B0604020202020204" pitchFamily="34" charset="0"/>
+              <a:ea typeface="ＭＳ Ｐゴシック" panose="020B0600070205080204" pitchFamily="50" charset="-128"/>
+            </a:endParaRPr>
+          </a:p>
+          <a:p>
+            <a:pPr algn="l">
+              <a:lnSpc>
+                <a:spcPct val="150000"/>
+              </a:lnSpc>
+            </a:pPr>
+            <a:r>
+              <a:rPr lang="ja-JP" altLang="en-US" sz="1400" dirty="0">
+                <a:latin typeface="Arial" panose="020B0604020202020204" pitchFamily="34" charset="0"/>
+              </a:rPr>
+              <a:t>・当日の飛び入り参加も歓迎致しますが、地図の枚数には限りがございます。参加を予定される場合は</a:t>
+            </a:r>
+            <a:r>
+              <a:rPr lang="ja-JP" altLang="en-US" sz="1400" dirty="0">
+                <a:latin typeface="Arial" panose="020B0604020202020204" pitchFamily="34" charset="0"/>
+                <a:ea typeface="ＭＳ Ｐゴシック" panose="020B0600070205080204" pitchFamily="50" charset="-128"/>
+              </a:rPr>
+              <a:t>事前申し込みをお勧めします。詳しくは、大会公式</a:t>
+            </a:r>
+            <a:r>
+              <a:rPr lang="en-US" altLang="ja-JP" sz="1400" dirty="0">
+                <a:latin typeface="Arial" panose="020B0604020202020204" pitchFamily="34" charset="0"/>
+                <a:ea typeface="ＭＳ Ｐゴシック" panose="020B0600070205080204" pitchFamily="50" charset="-128"/>
+              </a:rPr>
+              <a:t>HP</a:t>
+            </a:r>
+            <a:r>
+              <a:rPr lang="ja-JP" altLang="en-US" sz="1400" dirty="0">
+                <a:latin typeface="Arial" panose="020B0604020202020204" pitchFamily="34" charset="0"/>
+                <a:ea typeface="ＭＳ Ｐゴシック" panose="020B0600070205080204" pitchFamily="50" charset="-128"/>
+              </a:rPr>
+              <a:t>の併設大会要項をご覧ください。</a:t>
+            </a:r>
+            <a:r>
+              <a:rPr lang="en-US" altLang="ja-JP" sz="1400" dirty="0">
+                <a:latin typeface="Arial" panose="020B0604020202020204" pitchFamily="34" charset="0"/>
+                <a:ea typeface="ＭＳ Ｐゴシック" panose="020B0600070205080204" pitchFamily="50" charset="-128"/>
+              </a:rPr>
+              <a:t>(URL : </a:t>
+            </a:r>
+            <a:r>
+              <a:rPr lang="en-US" altLang="ja-JP" sz="1400" dirty="0">
+                <a:latin typeface="Arial" panose="020B0604020202020204" pitchFamily="34" charset="0"/>
+              </a:rPr>
+              <a:t>http://www.orienteering.com/~icmr2017/bulletin.html </a:t>
+            </a:r>
+            <a:r>
+              <a:rPr lang="en-US" altLang="ja-JP" sz="1400" dirty="0">
+                <a:latin typeface="Arial" panose="020B0604020202020204" pitchFamily="34" charset="0"/>
+                <a:ea typeface="ＭＳ Ｐゴシック" panose="020B0600070205080204" pitchFamily="50" charset="-128"/>
+              </a:rPr>
+              <a:t>)</a:t>
+            </a:r>
+          </a:p>
+        </p:txBody>
+      </p:sp>
+      <p:sp>
+        <p:nvSpPr>
+          <p:cNvPr id="13" name="タイトル 1"/>
+          <p:cNvSpPr txBox="1">
+            <a:spLocks/>
+          </p:cNvSpPr>
+          <p:nvPr/>
+        </p:nvSpPr>
+        <p:spPr>
+          <a:xfrm>
+            <a:off x="0" y="327006"/>
+            <a:ext cx="6858000" cy="487828"/>
+          </a:xfrm>
+          <a:prstGeom prst="rect">
+            <a:avLst/>
+          </a:prstGeom>
+        </p:spPr>
+        <p:txBody>
+          <a:bodyPr vert="horz" lIns="91440" tIns="45720" rIns="91440" bIns="45720" rtlCol="0" anchor="b">
+            <a:normAutofit/>
+          </a:bodyPr>
+          <a:lstStyle>
+            <a:lvl1pPr algn="ctr" defTabSz="685800" rtl="0" eaLnBrk="1" latinLnBrk="0" hangingPunct="1">
+              <a:lnSpc>
+                <a:spcPct val="90000"/>
+              </a:lnSpc>
+              <a:spcBef>
+                <a:spcPct val="0"/>
+              </a:spcBef>
+              <a:buNone/>
+              <a:defRPr kumimoji="1" sz="4500" kern="1200">
+                <a:solidFill>
+                  <a:schemeClr val="tx1"/>
+                </a:solidFill>
+                <a:latin typeface="+mj-lt"/>
+                <a:ea typeface="+mj-ea"/>
+                <a:cs typeface="+mj-cs"/>
+              </a:defRPr>
+            </a:lvl1pPr>
+          </a:lstStyle>
+          <a:p>
+            <a:pPr algn="l"/>
+            <a:r>
+              <a:rPr lang="ja-JP" altLang="en-US" sz="1800" i="1" dirty="0">
+                <a:effectLst>
+                  <a:outerShdw blurRad="38100" dist="38100" dir="2700000" algn="tl">
+                    <a:srgbClr val="000000">
+                      <a:alpha val="43137"/>
+                    </a:srgbClr>
+                  </a:outerShdw>
+                </a:effectLst>
+                <a:latin typeface="HGS創英角ﾎﾟｯﾌﾟ体" panose="040B0A00000000000000" pitchFamily="50" charset="-128"/>
+                <a:ea typeface="HGS創英角ﾎﾟｯﾌﾟ体" panose="040B0A00000000000000" pitchFamily="50" charset="-128"/>
+              </a:rPr>
+              <a:t>　</a:t>
+            </a:r>
+            <a:r>
+              <a:rPr lang="ja-JP" altLang="en-US" sz="700" i="1" dirty="0">
+                <a:effectLst>
+                  <a:outerShdw blurRad="38100" dist="38100" dir="2700000" algn="tl">
+                    <a:srgbClr val="000000">
+                      <a:alpha val="43137"/>
+                    </a:srgbClr>
+                  </a:outerShdw>
+                </a:effectLst>
+                <a:latin typeface="HGS創英角ﾎﾟｯﾌﾟ体" panose="040B0A00000000000000" pitchFamily="50" charset="-128"/>
+                <a:ea typeface="HGS創英角ﾎﾟｯﾌﾟ体" panose="040B0A00000000000000" pitchFamily="50" charset="-128"/>
+              </a:rPr>
+              <a:t>　</a:t>
+            </a:r>
+            <a:r>
+              <a:rPr lang="en-US" altLang="ja-JP" sz="1800" i="1" dirty="0">
+                <a:effectLst>
+                  <a:outerShdw blurRad="38100" dist="38100" dir="2700000" algn="tl">
+                    <a:srgbClr val="000000">
+                      <a:alpha val="43137"/>
+                    </a:srgbClr>
+                  </a:outerShdw>
+                </a:effectLst>
+                <a:latin typeface="HGS創英角ﾎﾟｯﾌﾟ体" panose="040B0A00000000000000" pitchFamily="50" charset="-128"/>
+                <a:ea typeface="HGS創英角ﾎﾟｯﾌﾟ体" panose="040B0A00000000000000" pitchFamily="50" charset="-128"/>
+              </a:rPr>
+              <a:t>2017</a:t>
+            </a:r>
+            <a:r>
+              <a:rPr lang="ja-JP" altLang="en-US" sz="1800" i="1" dirty="0">
+                <a:effectLst>
+                  <a:outerShdw blurRad="38100" dist="38100" dir="2700000" algn="tl">
+                    <a:srgbClr val="000000">
+                      <a:alpha val="43137"/>
+                    </a:srgbClr>
+                  </a:outerShdw>
+                </a:effectLst>
+                <a:latin typeface="HGS創英角ﾎﾟｯﾌﾟ体" panose="040B0A00000000000000" pitchFamily="50" charset="-128"/>
+                <a:ea typeface="HGS創英角ﾎﾟｯﾌﾟ体" panose="040B0A00000000000000" pitchFamily="50" charset="-128"/>
+              </a:rPr>
+              <a:t>年度日本学生オリエンテーリング選手権大会併設</a:t>
+            </a:r>
+          </a:p>
+        </p:txBody>
+      </p:sp>
+      <p:sp>
+        <p:nvSpPr>
+          <p:cNvPr id="8" name="正方形/長方形 7"/>
+          <p:cNvSpPr/>
+          <p:nvPr/>
+        </p:nvSpPr>
+        <p:spPr>
+          <a:xfrm>
+            <a:off x="341761" y="4965452"/>
+            <a:ext cx="3087239" cy="2279740"/>
+          </a:xfrm>
+          <a:prstGeom prst="rect">
+            <a:avLst/>
+          </a:prstGeom>
+          <a:pattFill prst="wdDnDiag">
+            <a:fgClr>
+              <a:schemeClr val="tx1"/>
+            </a:fgClr>
+            <a:bgClr>
+              <a:schemeClr val="bg1"/>
+            </a:bgClr>
+          </a:pattFill>
+          <a:ln>
+            <a:solidFill>
+              <a:schemeClr val="tx1"/>
+            </a:solidFill>
+          </a:ln>
+        </p:spPr>
+        <p:style>
+          <a:lnRef idx="2">
+            <a:schemeClr val="accent1">
+              <a:shade val="50000"/>
+            </a:schemeClr>
+          </a:lnRef>
+          <a:fillRef idx="1">
+            <a:schemeClr val="accent1"/>
+          </a:fillRef>
+          <a:effectRef idx="0">
+            <a:schemeClr val="accent1"/>
+          </a:effectRef>
+          <a:fontRef idx="minor">
+            <a:schemeClr val="lt1"/>
+          </a:fontRef>
+        </p:style>
+        <p:txBody>
+          <a:bodyPr rtlCol="0" anchor="ctr"/>
+          <a:lstStyle/>
+          <a:p>
+            <a:pPr algn="ctr"/>
+            <a:endParaRPr kumimoji="1" lang="ja-JP" altLang="en-US"/>
+          </a:p>
+        </p:txBody>
+      </p:sp>
+      <p:sp>
+        <p:nvSpPr>
+          <p:cNvPr id="21" name="テキスト ボックス 20"/>
+          <p:cNvSpPr txBox="1"/>
+          <p:nvPr/>
+        </p:nvSpPr>
+        <p:spPr>
+          <a:xfrm>
+            <a:off x="3428999" y="4986676"/>
+            <a:ext cx="3219800" cy="2215991"/>
+          </a:xfrm>
+          <a:prstGeom prst="rect">
+            <a:avLst/>
+          </a:prstGeom>
+          <a:noFill/>
+          <a:ln w="38100">
+            <a:noFill/>
+          </a:ln>
+        </p:spPr>
+        <p:txBody>
+          <a:bodyPr wrap="square" rtlCol="0">
+            <a:spAutoFit/>
+          </a:bodyPr>
+          <a:lstStyle/>
+          <a:p>
+            <a:r>
+              <a:rPr lang="ja-JP" altLang="en-US" sz="1600" dirty="0">
+                <a:effectLst>
+                  <a:outerShdw blurRad="38100" dist="38100" dir="2700000" algn="tl">
+                    <a:srgbClr val="000000">
+                      <a:alpha val="43137"/>
+                    </a:srgbClr>
+                  </a:outerShdw>
+                </a:effectLst>
+              </a:rPr>
+              <a:t>オリエンテーリングとは、</a:t>
+            </a:r>
+            <a:endParaRPr kumimoji="1" lang="en-US" altLang="ja-JP" sz="1600" dirty="0">
+              <a:effectLst>
+                <a:outerShdw blurRad="38100" dist="38100" dir="2700000" algn="tl">
+                  <a:srgbClr val="000000">
+                    <a:alpha val="43137"/>
+                  </a:srgbClr>
+                </a:outerShdw>
+              </a:effectLst>
+            </a:endParaRPr>
+          </a:p>
+          <a:p>
+            <a:r>
+              <a:rPr lang="ja-JP" altLang="en-US" sz="1600" dirty="0">
+                <a:effectLst>
+                  <a:outerShdw blurRad="38100" dist="38100" dir="2700000" algn="tl">
+                    <a:srgbClr val="000000">
+                      <a:alpha val="43137"/>
+                    </a:srgbClr>
+                  </a:outerShdw>
+                </a:effectLst>
+              </a:rPr>
+              <a:t>地図上の</a:t>
+            </a:r>
+            <a:r>
+              <a:rPr kumimoji="1" lang="ja-JP" altLang="en-US" sz="1600" dirty="0">
+                <a:effectLst>
+                  <a:outerShdw blurRad="38100" dist="38100" dir="2700000" algn="tl">
+                    <a:srgbClr val="000000">
+                      <a:alpha val="43137"/>
+                    </a:srgbClr>
+                  </a:outerShdw>
+                </a:effectLst>
+              </a:rPr>
+              <a:t>スタート地点から、数字</a:t>
+            </a:r>
+            <a:endParaRPr kumimoji="1" lang="en-US" altLang="ja-JP" sz="1600" dirty="0">
+              <a:effectLst>
+                <a:outerShdw blurRad="38100" dist="38100" dir="2700000" algn="tl">
+                  <a:srgbClr val="000000">
+                    <a:alpha val="43137"/>
+                  </a:srgbClr>
+                </a:outerShdw>
+              </a:effectLst>
+            </a:endParaRPr>
+          </a:p>
+          <a:p>
+            <a:r>
+              <a:rPr kumimoji="1" lang="ja-JP" altLang="en-US" sz="1600" dirty="0">
+                <a:effectLst>
+                  <a:outerShdw blurRad="38100" dist="38100" dir="2700000" algn="tl">
+                    <a:srgbClr val="000000">
+                      <a:alpha val="43137"/>
+                    </a:srgbClr>
+                  </a:outerShdw>
+                </a:effectLst>
+              </a:rPr>
+              <a:t>の</a:t>
+            </a:r>
+            <a:r>
+              <a:rPr lang="ja-JP" altLang="en-US" sz="1600" dirty="0">
+                <a:effectLst>
+                  <a:outerShdw blurRad="38100" dist="38100" dir="2700000" algn="tl">
+                    <a:srgbClr val="000000">
+                      <a:alpha val="43137"/>
+                    </a:srgbClr>
+                  </a:outerShdw>
+                </a:effectLst>
+              </a:rPr>
+              <a:t>順番通りに○の中心部にある</a:t>
+            </a:r>
+            <a:endParaRPr lang="en-US" altLang="ja-JP" sz="1600" dirty="0">
+              <a:effectLst>
+                <a:outerShdw blurRad="38100" dist="38100" dir="2700000" algn="tl">
+                  <a:srgbClr val="000000">
+                    <a:alpha val="43137"/>
+                  </a:srgbClr>
+                </a:outerShdw>
+              </a:effectLst>
+            </a:endParaRPr>
+          </a:p>
+          <a:p>
+            <a:r>
+              <a:rPr lang="ja-JP" altLang="en-US" sz="1600" dirty="0">
+                <a:effectLst>
+                  <a:outerShdw blurRad="38100" dist="38100" dir="2700000" algn="tl">
+                    <a:srgbClr val="000000">
+                      <a:alpha val="43137"/>
+                    </a:srgbClr>
+                  </a:outerShdw>
+                </a:effectLst>
+              </a:rPr>
+              <a:t>目印</a:t>
+            </a:r>
+            <a:r>
+              <a:rPr lang="en-US" altLang="ja-JP" sz="1600" dirty="0">
+                <a:effectLst>
+                  <a:outerShdw blurRad="38100" dist="38100" dir="2700000" algn="tl">
+                    <a:srgbClr val="000000">
+                      <a:alpha val="43137"/>
+                    </a:srgbClr>
+                  </a:outerShdw>
+                </a:effectLst>
+              </a:rPr>
+              <a:t>(</a:t>
+            </a:r>
+            <a:r>
+              <a:rPr lang="ja-JP" altLang="en-US" sz="1600" dirty="0">
+                <a:effectLst>
+                  <a:outerShdw blurRad="38100" dist="38100" dir="2700000" algn="tl">
+                    <a:srgbClr val="000000">
+                      <a:alpha val="43137"/>
+                    </a:srgbClr>
+                  </a:outerShdw>
+                </a:effectLst>
+              </a:rPr>
+              <a:t>フラッグ</a:t>
+            </a:r>
+            <a:r>
+              <a:rPr lang="en-US" altLang="ja-JP" sz="1600" dirty="0">
+                <a:effectLst>
+                  <a:outerShdw blurRad="38100" dist="38100" dir="2700000" algn="tl">
+                    <a:srgbClr val="000000">
+                      <a:alpha val="43137"/>
+                    </a:srgbClr>
+                  </a:outerShdw>
+                </a:effectLst>
+              </a:rPr>
+              <a:t>)</a:t>
+            </a:r>
+            <a:r>
+              <a:rPr lang="ja-JP" altLang="en-US" sz="1600" dirty="0">
+                <a:effectLst>
+                  <a:outerShdw blurRad="38100" dist="38100" dir="2700000" algn="tl">
+                    <a:srgbClr val="000000">
+                      <a:alpha val="43137"/>
+                    </a:srgbClr>
+                  </a:outerShdw>
+                </a:effectLst>
+              </a:rPr>
+              <a:t>をまわり、ゴールに</a:t>
+            </a:r>
+            <a:endParaRPr lang="en-US" altLang="ja-JP" sz="1600" dirty="0">
+              <a:effectLst>
+                <a:outerShdw blurRad="38100" dist="38100" dir="2700000" algn="tl">
+                  <a:srgbClr val="000000">
+                    <a:alpha val="43137"/>
+                  </a:srgbClr>
+                </a:outerShdw>
+              </a:effectLst>
+            </a:endParaRPr>
+          </a:p>
+          <a:p>
+            <a:r>
+              <a:rPr lang="ja-JP" altLang="en-US" sz="1600" dirty="0">
+                <a:effectLst>
+                  <a:outerShdw blurRad="38100" dist="38100" dir="2700000" algn="tl">
+                    <a:srgbClr val="000000">
+                      <a:alpha val="43137"/>
+                    </a:srgbClr>
+                  </a:outerShdw>
+                </a:effectLst>
+              </a:rPr>
+              <a:t>着くまでの時間を競うスポーツです。</a:t>
+            </a:r>
+            <a:endParaRPr lang="en-US" altLang="ja-JP" sz="1600" dirty="0">
+              <a:effectLst>
+                <a:outerShdw blurRad="38100" dist="38100" dir="2700000" algn="tl">
+                  <a:srgbClr val="000000">
+                    <a:alpha val="43137"/>
+                  </a:srgbClr>
+                </a:outerShdw>
+              </a:effectLst>
+            </a:endParaRPr>
+          </a:p>
+          <a:p>
+            <a:r>
+              <a:rPr kumimoji="1" lang="ja-JP" altLang="en-US" sz="1600" dirty="0">
+                <a:effectLst>
+                  <a:outerShdw blurRad="38100" dist="38100" dir="2700000" algn="tl">
+                    <a:srgbClr val="000000">
+                      <a:alpha val="43137"/>
+                    </a:srgbClr>
+                  </a:outerShdw>
+                </a:effectLst>
+              </a:rPr>
+              <a:t>初心者の方には、スタッフがルール</a:t>
+            </a:r>
+            <a:endParaRPr kumimoji="1" lang="en-US" altLang="ja-JP" sz="1600" dirty="0">
+              <a:effectLst>
+                <a:outerShdw blurRad="38100" dist="38100" dir="2700000" algn="tl">
+                  <a:srgbClr val="000000">
+                    <a:alpha val="43137"/>
+                  </a:srgbClr>
+                </a:outerShdw>
+              </a:effectLst>
+            </a:endParaRPr>
+          </a:p>
+          <a:p>
+            <a:r>
+              <a:rPr kumimoji="1" lang="ja-JP" altLang="en-US" sz="1600" dirty="0">
+                <a:effectLst>
+                  <a:outerShdw blurRad="38100" dist="38100" dir="2700000" algn="tl">
+                    <a:srgbClr val="000000">
+                      <a:alpha val="43137"/>
+                    </a:srgbClr>
+                  </a:outerShdw>
+                </a:effectLst>
+              </a:rPr>
+              <a:t>説明を行います。</a:t>
+            </a:r>
+            <a:endParaRPr kumimoji="1" lang="en-US" altLang="ja-JP" sz="1600" dirty="0">
+              <a:effectLst>
+                <a:outerShdw blurRad="38100" dist="38100" dir="2700000" algn="tl">
+                  <a:srgbClr val="000000">
+                    <a:alpha val="43137"/>
+                  </a:srgbClr>
+                </a:outerShdw>
+              </a:effectLst>
+            </a:endParaRPr>
+          </a:p>
+          <a:p>
+            <a:endParaRPr kumimoji="1" lang="en-US" altLang="ja-JP" sz="800" dirty="0">
+              <a:effectLst>
+                <a:outerShdw blurRad="38100" dist="38100" dir="2700000" algn="tl">
+                  <a:srgbClr val="000000">
+                    <a:alpha val="43137"/>
+                  </a:srgbClr>
+                </a:outerShdw>
+              </a:effectLst>
+            </a:endParaRPr>
+          </a:p>
+          <a:p>
+            <a:pPr algn="ctr"/>
+            <a:r>
+              <a:rPr lang="ja-JP" altLang="en-US" b="1" dirty="0">
+                <a:effectLst>
+                  <a:outerShdw blurRad="38100" dist="38100" dir="2700000" algn="tl">
+                    <a:srgbClr val="000000">
+                      <a:alpha val="43137"/>
+                    </a:srgbClr>
+                  </a:outerShdw>
+                </a:effectLst>
+              </a:rPr>
+              <a:t>気軽にご参加ください！！</a:t>
+            </a:r>
+            <a:endParaRPr kumimoji="1" lang="ja-JP" altLang="en-US" b="1" dirty="0">
+              <a:effectLst>
+                <a:outerShdw blurRad="38100" dist="38100" dir="2700000" algn="tl">
+                  <a:srgbClr val="000000">
+                    <a:alpha val="43137"/>
+                  </a:srgbClr>
+                </a:outerShdw>
+              </a:effectLst>
+            </a:endParaRPr>
+          </a:p>
+        </p:txBody>
+      </p:sp>
+      <p:sp>
+        <p:nvSpPr>
+          <p:cNvPr id="24" name="正方形/長方形 23"/>
+          <p:cNvSpPr/>
+          <p:nvPr/>
+        </p:nvSpPr>
+        <p:spPr>
+          <a:xfrm>
+            <a:off x="803755" y="2185204"/>
+            <a:ext cx="5729454" cy="2780248"/>
+          </a:xfrm>
+          <a:prstGeom prst="rect">
+            <a:avLst/>
+          </a:prstGeom>
+        </p:spPr>
+        <p:txBody>
+          <a:bodyPr wrap="none">
+            <a:spAutoFit/>
+          </a:bodyPr>
+          <a:lstStyle/>
+          <a:p>
+            <a:pPr>
+              <a:lnSpc>
+                <a:spcPct val="200000"/>
+              </a:lnSpc>
+            </a:pPr>
+            <a:r>
+              <a:rPr lang="ja-JP" altLang="en-US" sz="2800" dirty="0">
+                <a:solidFill>
+                  <a:prstClr val="black"/>
+                </a:solidFill>
+                <a:effectLst>
+                  <a:outerShdw blurRad="38100" dist="38100" dir="2700000" algn="tl">
+                    <a:srgbClr val="000000">
+                      <a:alpha val="43137"/>
+                    </a:srgbClr>
+                  </a:outerShdw>
+                </a:effectLst>
+                <a:latin typeface="Arial" panose="020B0604020202020204" pitchFamily="34" charset="0"/>
+              </a:rPr>
+              <a:t>日時 </a:t>
+            </a:r>
+            <a:r>
+              <a:rPr lang="en-US" altLang="ja-JP" sz="2800" dirty="0">
+                <a:solidFill>
+                  <a:prstClr val="black"/>
+                </a:solidFill>
+                <a:effectLst>
+                  <a:outerShdw blurRad="38100" dist="38100" dir="2700000" algn="tl">
+                    <a:srgbClr val="000000">
+                      <a:alpha val="43137"/>
+                    </a:srgbClr>
+                  </a:outerShdw>
+                </a:effectLst>
+                <a:latin typeface="Arial" panose="020B0604020202020204" pitchFamily="34" charset="0"/>
+              </a:rPr>
+              <a:t>: 3</a:t>
+            </a:r>
+            <a:r>
+              <a:rPr lang="ja-JP" altLang="en-US" sz="2800" dirty="0">
+                <a:solidFill>
+                  <a:prstClr val="black"/>
+                </a:solidFill>
+                <a:effectLst>
+                  <a:outerShdw blurRad="38100" dist="38100" dir="2700000" algn="tl">
+                    <a:srgbClr val="000000">
+                      <a:alpha val="43137"/>
+                    </a:srgbClr>
+                  </a:outerShdw>
+                </a:effectLst>
+                <a:latin typeface="Arial" panose="020B0604020202020204" pitchFamily="34" charset="0"/>
+              </a:rPr>
+              <a:t>月</a:t>
+            </a:r>
+            <a:r>
+              <a:rPr lang="en-US" altLang="ja-JP" sz="2800" dirty="0">
+                <a:solidFill>
+                  <a:prstClr val="black"/>
+                </a:solidFill>
+                <a:effectLst>
+                  <a:outerShdw blurRad="38100" dist="38100" dir="2700000" algn="tl">
+                    <a:srgbClr val="000000">
+                      <a:alpha val="43137"/>
+                    </a:srgbClr>
+                  </a:outerShdw>
+                </a:effectLst>
+                <a:latin typeface="Arial" panose="020B0604020202020204" pitchFamily="34" charset="0"/>
+              </a:rPr>
+              <a:t>10</a:t>
+            </a:r>
+            <a:r>
+              <a:rPr lang="ja-JP" altLang="en-US" sz="2800" dirty="0">
+                <a:solidFill>
+                  <a:prstClr val="black"/>
+                </a:solidFill>
+                <a:effectLst>
+                  <a:outerShdw blurRad="38100" dist="38100" dir="2700000" algn="tl">
+                    <a:srgbClr val="000000">
+                      <a:alpha val="43137"/>
+                    </a:srgbClr>
+                  </a:outerShdw>
+                </a:effectLst>
+                <a:latin typeface="Arial" panose="020B0604020202020204" pitchFamily="34" charset="0"/>
+              </a:rPr>
+              <a:t>日</a:t>
+            </a:r>
+            <a:r>
+              <a:rPr lang="en-US" altLang="ja-JP" sz="2800" dirty="0">
+                <a:solidFill>
+                  <a:prstClr val="black"/>
+                </a:solidFill>
+                <a:effectLst>
+                  <a:outerShdw blurRad="38100" dist="38100" dir="2700000" algn="tl">
+                    <a:srgbClr val="000000">
+                      <a:alpha val="43137"/>
+                    </a:srgbClr>
+                  </a:outerShdw>
+                </a:effectLst>
+                <a:latin typeface="Arial" panose="020B0604020202020204" pitchFamily="34" charset="0"/>
+              </a:rPr>
+              <a:t>(</a:t>
+            </a:r>
+            <a:r>
+              <a:rPr lang="ja-JP" altLang="en-US" sz="2800" dirty="0">
+                <a:solidFill>
+                  <a:prstClr val="black"/>
+                </a:solidFill>
+                <a:effectLst>
+                  <a:outerShdw blurRad="38100" dist="38100" dir="2700000" algn="tl">
+                    <a:srgbClr val="000000">
+                      <a:alpha val="43137"/>
+                    </a:srgbClr>
+                  </a:outerShdw>
+                </a:effectLst>
+                <a:latin typeface="Arial" panose="020B0604020202020204" pitchFamily="34" charset="0"/>
+              </a:rPr>
+              <a:t>土</a:t>
+            </a:r>
+            <a:r>
+              <a:rPr lang="en-US" altLang="ja-JP" sz="2800" dirty="0">
+                <a:solidFill>
+                  <a:prstClr val="black"/>
+                </a:solidFill>
+                <a:effectLst>
+                  <a:outerShdw blurRad="38100" dist="38100" dir="2700000" algn="tl">
+                    <a:srgbClr val="000000">
+                      <a:alpha val="43137"/>
+                    </a:srgbClr>
+                  </a:outerShdw>
+                </a:effectLst>
+                <a:latin typeface="Arial" panose="020B0604020202020204" pitchFamily="34" charset="0"/>
+              </a:rPr>
+              <a:t>)</a:t>
+            </a:r>
+            <a:r>
+              <a:rPr lang="ja-JP" altLang="en-US" sz="2800" dirty="0">
+                <a:solidFill>
+                  <a:prstClr val="black"/>
+                </a:solidFill>
+                <a:effectLst>
+                  <a:outerShdw blurRad="38100" dist="38100" dir="2700000" algn="tl">
+                    <a:srgbClr val="000000">
+                      <a:alpha val="43137"/>
+                    </a:srgbClr>
+                  </a:outerShdw>
+                </a:effectLst>
+                <a:latin typeface="Arial" panose="020B0604020202020204" pitchFamily="34" charset="0"/>
+              </a:rPr>
+              <a:t>　</a:t>
+            </a:r>
+            <a:r>
+              <a:rPr lang="en-US" altLang="ja-JP" sz="2800" dirty="0">
+                <a:solidFill>
+                  <a:prstClr val="black"/>
+                </a:solidFill>
+                <a:effectLst>
+                  <a:outerShdw blurRad="38100" dist="38100" dir="2700000" algn="tl">
+                    <a:srgbClr val="000000">
+                      <a:alpha val="43137"/>
+                    </a:srgbClr>
+                  </a:outerShdw>
+                </a:effectLst>
+                <a:latin typeface="Arial" panose="020B0604020202020204" pitchFamily="34" charset="0"/>
+              </a:rPr>
+              <a:t>9</a:t>
+            </a:r>
+            <a:r>
+              <a:rPr lang="ja-JP" altLang="en-US" sz="2800" dirty="0">
+                <a:solidFill>
+                  <a:prstClr val="black"/>
+                </a:solidFill>
+                <a:effectLst>
+                  <a:outerShdw blurRad="38100" dist="38100" dir="2700000" algn="tl">
+                    <a:srgbClr val="000000">
+                      <a:alpha val="43137"/>
+                    </a:srgbClr>
+                  </a:outerShdw>
+                </a:effectLst>
+                <a:latin typeface="Arial" panose="020B0604020202020204" pitchFamily="34" charset="0"/>
+              </a:rPr>
+              <a:t>：</a:t>
+            </a:r>
+            <a:r>
+              <a:rPr lang="en-US" altLang="ja-JP" sz="2800" dirty="0">
+                <a:solidFill>
+                  <a:prstClr val="black"/>
+                </a:solidFill>
+                <a:effectLst>
+                  <a:outerShdw blurRad="38100" dist="38100" dir="2700000" algn="tl">
+                    <a:srgbClr val="000000">
+                      <a:alpha val="43137"/>
+                    </a:srgbClr>
+                  </a:outerShdw>
+                </a:effectLst>
+                <a:latin typeface="Arial" panose="020B0604020202020204" pitchFamily="34" charset="0"/>
+              </a:rPr>
+              <a:t>00 ~ 14:00</a:t>
+            </a:r>
+          </a:p>
+          <a:p>
+            <a:pPr lvl="0">
+              <a:lnSpc>
+                <a:spcPct val="200000"/>
+              </a:lnSpc>
+            </a:pPr>
+            <a:r>
+              <a:rPr lang="ja-JP" altLang="en-US" sz="2800" dirty="0">
+                <a:solidFill>
+                  <a:prstClr val="black"/>
+                </a:solidFill>
+                <a:effectLst>
+                  <a:outerShdw blurRad="38100" dist="38100" dir="2700000" algn="tl">
+                    <a:srgbClr val="000000">
+                      <a:alpha val="43137"/>
+                    </a:srgbClr>
+                  </a:outerShdw>
+                </a:effectLst>
+                <a:latin typeface="Arial" panose="020B0604020202020204" pitchFamily="34" charset="0"/>
+              </a:rPr>
+              <a:t>会場 </a:t>
+            </a:r>
+            <a:r>
+              <a:rPr lang="en-US" altLang="ja-JP" sz="2800" dirty="0">
+                <a:solidFill>
+                  <a:prstClr val="black"/>
+                </a:solidFill>
+                <a:effectLst>
+                  <a:outerShdw blurRad="38100" dist="38100" dir="2700000" algn="tl">
+                    <a:srgbClr val="000000">
+                      <a:alpha val="43137"/>
+                    </a:srgbClr>
+                  </a:outerShdw>
+                </a:effectLst>
+                <a:latin typeface="Arial" panose="020B0604020202020204" pitchFamily="34" charset="0"/>
+              </a:rPr>
+              <a:t>: </a:t>
+            </a:r>
+            <a:r>
+              <a:rPr lang="ja-JP" altLang="en-US" sz="2800" dirty="0">
+                <a:solidFill>
+                  <a:prstClr val="black"/>
+                </a:solidFill>
+                <a:effectLst>
+                  <a:outerShdw blurRad="38100" dist="38100" dir="2700000" algn="tl">
+                    <a:srgbClr val="000000">
+                      <a:alpha val="43137"/>
+                    </a:srgbClr>
+                  </a:outerShdw>
+                </a:effectLst>
+                <a:latin typeface="Arial" panose="020B0604020202020204" pitchFamily="34" charset="0"/>
+              </a:rPr>
+              <a:t>日光市高畑運動広場</a:t>
+            </a:r>
+            <a:r>
+              <a:rPr lang="ja-JP" altLang="en-US" sz="1100" dirty="0">
+                <a:solidFill>
+                  <a:prstClr val="black"/>
+                </a:solidFill>
+                <a:effectLst>
+                  <a:outerShdw blurRad="38100" dist="38100" dir="2700000" algn="tl">
+                    <a:srgbClr val="000000">
+                      <a:alpha val="43137"/>
+                    </a:srgbClr>
+                  </a:outerShdw>
+                </a:effectLst>
+                <a:latin typeface="Arial" panose="020B0604020202020204" pitchFamily="34" charset="0"/>
+              </a:rPr>
+              <a:t>　</a:t>
+            </a:r>
+            <a:endParaRPr lang="en-US" altLang="ja-JP" sz="2800" dirty="0">
+              <a:solidFill>
+                <a:prstClr val="black"/>
+              </a:solidFill>
+              <a:effectLst>
+                <a:outerShdw blurRad="38100" dist="38100" dir="2700000" algn="tl">
+                  <a:srgbClr val="000000">
+                    <a:alpha val="43137"/>
+                  </a:srgbClr>
+                </a:outerShdw>
+              </a:effectLst>
+              <a:latin typeface="Arial" panose="020B0604020202020204" pitchFamily="34" charset="0"/>
+            </a:endParaRPr>
+          </a:p>
+          <a:p>
+            <a:pPr lvl="0" defTabSz="685800">
+              <a:lnSpc>
+                <a:spcPct val="200000"/>
+              </a:lnSpc>
+              <a:spcBef>
+                <a:spcPts val="750"/>
+              </a:spcBef>
+            </a:pPr>
+            <a:r>
+              <a:rPr lang="ja-JP" altLang="en-US" sz="2800" dirty="0">
+                <a:solidFill>
+                  <a:prstClr val="black"/>
+                </a:solidFill>
+                <a:effectLst>
+                  <a:outerShdw blurRad="38100" dist="38100" dir="2700000" algn="tl">
+                    <a:srgbClr val="000000">
+                      <a:alpha val="43137"/>
+                    </a:srgbClr>
+                  </a:outerShdw>
+                </a:effectLst>
+                <a:latin typeface="Arial" panose="020B0604020202020204" pitchFamily="34" charset="0"/>
+              </a:rPr>
+              <a:t>参加費 </a:t>
+            </a:r>
+            <a:r>
+              <a:rPr lang="en-US" altLang="ja-JP" sz="2800" dirty="0">
+                <a:solidFill>
+                  <a:prstClr val="black"/>
+                </a:solidFill>
+                <a:effectLst>
+                  <a:outerShdw blurRad="38100" dist="38100" dir="2700000" algn="tl">
+                    <a:srgbClr val="000000">
+                      <a:alpha val="43137"/>
+                    </a:srgbClr>
+                  </a:outerShdw>
+                </a:effectLst>
+                <a:latin typeface="Arial" panose="020B0604020202020204" pitchFamily="34" charset="0"/>
+              </a:rPr>
+              <a:t>:</a:t>
+            </a:r>
+            <a:r>
+              <a:rPr lang="ja-JP" altLang="en-US" sz="2800" dirty="0">
+                <a:solidFill>
+                  <a:prstClr val="black"/>
+                </a:solidFill>
+                <a:effectLst>
+                  <a:outerShdw blurRad="38100" dist="38100" dir="2700000" algn="tl">
+                    <a:srgbClr val="000000">
+                      <a:alpha val="43137"/>
+                    </a:srgbClr>
+                  </a:outerShdw>
+                </a:effectLst>
+                <a:latin typeface="Arial" panose="020B0604020202020204" pitchFamily="34" charset="0"/>
+              </a:rPr>
+              <a:t> </a:t>
+            </a:r>
+            <a:r>
+              <a:rPr lang="en-US" altLang="ja-JP" sz="2800" dirty="0">
+                <a:solidFill>
+                  <a:prstClr val="black"/>
+                </a:solidFill>
+                <a:effectLst>
+                  <a:outerShdw blurRad="38100" dist="38100" dir="2700000" algn="tl">
+                    <a:srgbClr val="000000">
+                      <a:alpha val="43137"/>
+                    </a:srgbClr>
+                  </a:outerShdw>
+                </a:effectLst>
+                <a:latin typeface="Arial" panose="020B0604020202020204" pitchFamily="34" charset="0"/>
+              </a:rPr>
+              <a:t>500</a:t>
+            </a:r>
+            <a:r>
+              <a:rPr lang="ja-JP" altLang="en-US" sz="2800" dirty="0">
+                <a:solidFill>
+                  <a:prstClr val="black"/>
+                </a:solidFill>
+                <a:effectLst>
+                  <a:outerShdw blurRad="38100" dist="38100" dir="2700000" algn="tl">
+                    <a:srgbClr val="000000">
+                      <a:alpha val="43137"/>
+                    </a:srgbClr>
+                  </a:outerShdw>
+                </a:effectLst>
+                <a:latin typeface="Arial" panose="020B0604020202020204" pitchFamily="34" charset="0"/>
+              </a:rPr>
+              <a:t>円 </a:t>
+            </a:r>
+            <a:r>
+              <a:rPr lang="en-US" altLang="ja-JP" sz="1600" dirty="0">
+                <a:solidFill>
+                  <a:prstClr val="black"/>
+                </a:solidFill>
+                <a:effectLst>
+                  <a:outerShdw blurRad="38100" dist="38100" dir="2700000" algn="tl">
+                    <a:srgbClr val="000000">
+                      <a:alpha val="43137"/>
+                    </a:srgbClr>
+                  </a:outerShdw>
+                </a:effectLst>
+                <a:latin typeface="Arial" panose="020B0604020202020204" pitchFamily="34" charset="0"/>
+              </a:rPr>
+              <a:t>(1</a:t>
+            </a:r>
+            <a:r>
+              <a:rPr lang="ja-JP" altLang="en-US" sz="1600" dirty="0">
+                <a:solidFill>
+                  <a:prstClr val="black"/>
+                </a:solidFill>
+                <a:effectLst>
+                  <a:outerShdw blurRad="38100" dist="38100" dir="2700000" algn="tl">
+                    <a:srgbClr val="000000">
+                      <a:alpha val="43137"/>
+                    </a:srgbClr>
+                  </a:outerShdw>
+                </a:effectLst>
+                <a:latin typeface="Arial" panose="020B0604020202020204" pitchFamily="34" charset="0"/>
+              </a:rPr>
+              <a:t>グループ当たり、個人参加も可能</a:t>
+            </a:r>
+            <a:r>
+              <a:rPr lang="en-US" altLang="ja-JP" sz="1600" dirty="0">
+                <a:solidFill>
+                  <a:prstClr val="black"/>
+                </a:solidFill>
+                <a:effectLst>
+                  <a:outerShdw blurRad="38100" dist="38100" dir="2700000" algn="tl">
+                    <a:srgbClr val="000000">
+                      <a:alpha val="43137"/>
+                    </a:srgbClr>
+                  </a:outerShdw>
+                </a:effectLst>
+                <a:latin typeface="Arial" panose="020B0604020202020204" pitchFamily="34" charset="0"/>
+              </a:rPr>
+              <a:t>)</a:t>
+            </a:r>
+            <a:endParaRPr lang="en-US" altLang="ja-JP" sz="2800" dirty="0">
+              <a:solidFill>
+                <a:prstClr val="black"/>
+              </a:solidFill>
+              <a:effectLst>
+                <a:outerShdw blurRad="38100" dist="38100" dir="2700000" algn="tl">
+                  <a:srgbClr val="000000">
+                    <a:alpha val="43137"/>
+                  </a:srgbClr>
+                </a:outerShdw>
+              </a:effectLst>
+              <a:latin typeface="Arial" panose="020B0604020202020204" pitchFamily="34" charset="0"/>
+            </a:endParaRPr>
+          </a:p>
+        </p:txBody>
+      </p:sp>
+      <p:pic>
+        <p:nvPicPr>
+          <p:cNvPr id="27" name="図 26"/>
+          <p:cNvPicPr>
+            <a:picLocks noChangeAspect="1"/>
+          </p:cNvPicPr>
+          <p:nvPr/>
+        </p:nvPicPr>
+        <p:blipFill>
+          <a:blip r:embed="rId2" cstate="print">
+            <a:extLst>
+              <a:ext uri="{28A0092B-C50C-407E-A947-70E740481C1C}">
+                <a14:useLocalDpi xmlns:a14="http://schemas.microsoft.com/office/drawing/2010/main" val="0"/>
+              </a:ext>
+            </a:extLst>
+          </a:blip>
+          <a:stretch>
+            <a:fillRect/>
+          </a:stretch>
+        </p:blipFill>
+        <p:spPr>
+          <a:xfrm>
+            <a:off x="341761" y="2506742"/>
+            <a:ext cx="412558" cy="511504"/>
+          </a:xfrm>
+          <a:prstGeom prst="rect">
+            <a:avLst/>
+          </a:prstGeom>
+        </p:spPr>
+      </p:pic>
+      <p:pic>
+        <p:nvPicPr>
+          <p:cNvPr id="32" name="図 31"/>
+          <p:cNvPicPr>
+            <a:picLocks noChangeAspect="1"/>
+          </p:cNvPicPr>
+          <p:nvPr/>
+        </p:nvPicPr>
+        <p:blipFill>
+          <a:blip r:embed="rId2" cstate="print">
+            <a:extLst>
+              <a:ext uri="{28A0092B-C50C-407E-A947-70E740481C1C}">
+                <a14:useLocalDpi xmlns:a14="http://schemas.microsoft.com/office/drawing/2010/main" val="0"/>
+              </a:ext>
+            </a:extLst>
+          </a:blip>
+          <a:stretch>
+            <a:fillRect/>
+          </a:stretch>
+        </p:blipFill>
+        <p:spPr>
+          <a:xfrm>
+            <a:off x="341761" y="3328823"/>
+            <a:ext cx="412558" cy="511504"/>
+          </a:xfrm>
+          <a:prstGeom prst="rect">
+            <a:avLst/>
+          </a:prstGeom>
+        </p:spPr>
+      </p:pic>
+      <p:pic>
+        <p:nvPicPr>
+          <p:cNvPr id="33" name="図 32"/>
+          <p:cNvPicPr>
+            <a:picLocks noChangeAspect="1"/>
+          </p:cNvPicPr>
+          <p:nvPr/>
+        </p:nvPicPr>
+        <p:blipFill>
+          <a:blip r:embed="rId2" cstate="print">
+            <a:extLst>
+              <a:ext uri="{28A0092B-C50C-407E-A947-70E740481C1C}">
+                <a14:useLocalDpi xmlns:a14="http://schemas.microsoft.com/office/drawing/2010/main" val="0"/>
+              </a:ext>
+            </a:extLst>
+          </a:blip>
+          <a:stretch>
+            <a:fillRect/>
+          </a:stretch>
+        </p:blipFill>
+        <p:spPr>
+          <a:xfrm>
+            <a:off x="341761" y="4336886"/>
+            <a:ext cx="412558" cy="511504"/>
+          </a:xfrm>
+          <a:prstGeom prst="rect">
+            <a:avLst/>
+          </a:prstGeom>
+        </p:spPr>
+      </p:pic>
+      <p:sp>
+        <p:nvSpPr>
+          <p:cNvPr id="6" name="正方形/長方形 5"/>
+          <p:cNvSpPr/>
+          <p:nvPr/>
+        </p:nvSpPr>
+        <p:spPr>
+          <a:xfrm>
             <a:off x="2752725" y="6195674"/>
             <a:ext cx="676275" cy="1036824"/>
           </a:xfrm>
@@ -5021,7 +6689,7 @@
     </p:spTree>
     <p:extLst>
       <p:ext uri="{BB962C8B-B14F-4D97-AF65-F5344CB8AC3E}">
-        <p14:creationId xmlns:p14="http://schemas.microsoft.com/office/powerpoint/2010/main" val="163050989"/>
+        <p14:creationId xmlns:p14="http://schemas.microsoft.com/office/powerpoint/2010/main" val="2443022146"/>
       </p:ext>
     </p:extLst>
   </p:cSld>
